--- a/progect.pptx
+++ b/progect.pptx
@@ -112,7 +112,7 @@
   </p:defaultTextStyle>
   <p:extLst>
     <p:ext uri="{EFAFB233-063F-42B5-8137-9DF3F51BA10A}">
-      <p15:sldGuideLst xmlns="" xmlns:p15="http://schemas.microsoft.com/office/powerpoint/2012/main">
+      <p15:sldGuideLst xmlns:p15="http://schemas.microsoft.com/office/powerpoint/2012/main" xmlns="">
         <p15:guide id="1" orient="horz" pos="2160">
           <p15:clr>
             <a:srgbClr val="A4A3A4"/>
@@ -126,7 +126,7 @@
       </p15:sldGuideLst>
     </p:ext>
     <p:ext uri="{2D200454-40CA-4A62-9FC3-DE9A4176ACB9}">
-      <p15:notesGuideLst xmlns="" xmlns:p15="http://schemas.microsoft.com/office/powerpoint/2012/main"/>
+      <p15:notesGuideLst xmlns:p15="http://schemas.microsoft.com/office/powerpoint/2012/main" xmlns=""/>
     </p:ext>
   </p:extLst>
 </p:presentation>
@@ -291,7 +291,7 @@
     </p:spTree>
     <p:extLst>
       <p:ext uri="{BB962C8B-B14F-4D97-AF65-F5344CB8AC3E}">
-        <p14:creationId xmlns="" xmlns:p14="http://schemas.microsoft.com/office/powerpoint/2010/main" val="2127411319"/>
+        <p14:creationId xmlns:p14="http://schemas.microsoft.com/office/powerpoint/2010/main" xmlns="" val="2127411319"/>
       </p:ext>
     </p:extLst>
   </p:cSld>
@@ -483,7 +483,7 @@
     </p:spTree>
     <p:extLst>
       <p:ext uri="{BB962C8B-B14F-4D97-AF65-F5344CB8AC3E}">
-        <p14:creationId xmlns="" xmlns:p14="http://schemas.microsoft.com/office/powerpoint/2010/main" val="2750845649"/>
+        <p14:creationId xmlns:p14="http://schemas.microsoft.com/office/powerpoint/2010/main" xmlns="" val="2750845649"/>
       </p:ext>
     </p:extLst>
   </p:cSld>
@@ -655,7 +655,7 @@
     </p:spTree>
     <p:extLst>
       <p:ext uri="{BB962C8B-B14F-4D97-AF65-F5344CB8AC3E}">
-        <p14:creationId xmlns="" xmlns:p14="http://schemas.microsoft.com/office/powerpoint/2010/main" val="712725447"/>
+        <p14:creationId xmlns:p14="http://schemas.microsoft.com/office/powerpoint/2010/main" xmlns="" val="712725447"/>
       </p:ext>
     </p:extLst>
   </p:cSld>
@@ -837,7 +837,7 @@
     </p:spTree>
     <p:extLst>
       <p:ext uri="{BB962C8B-B14F-4D97-AF65-F5344CB8AC3E}">
-        <p14:creationId xmlns="" xmlns:p14="http://schemas.microsoft.com/office/powerpoint/2010/main" val="3382581019"/>
+        <p14:creationId xmlns:p14="http://schemas.microsoft.com/office/powerpoint/2010/main" xmlns="" val="3382581019"/>
       </p:ext>
     </p:extLst>
   </p:cSld>
@@ -1009,7 +1009,7 @@
     </p:spTree>
     <p:extLst>
       <p:ext uri="{BB962C8B-B14F-4D97-AF65-F5344CB8AC3E}">
-        <p14:creationId xmlns="" xmlns:p14="http://schemas.microsoft.com/office/powerpoint/2010/main" val="530094933"/>
+        <p14:creationId xmlns:p14="http://schemas.microsoft.com/office/powerpoint/2010/main" xmlns="" val="530094933"/>
       </p:ext>
     </p:extLst>
   </p:cSld>
@@ -1255,7 +1255,7 @@
     </p:spTree>
     <p:extLst>
       <p:ext uri="{BB962C8B-B14F-4D97-AF65-F5344CB8AC3E}">
-        <p14:creationId xmlns="" xmlns:p14="http://schemas.microsoft.com/office/powerpoint/2010/main" val="2309467566"/>
+        <p14:creationId xmlns:p14="http://schemas.microsoft.com/office/powerpoint/2010/main" xmlns="" val="2309467566"/>
       </p:ext>
     </p:extLst>
   </p:cSld>
@@ -1489,7 +1489,7 @@
     </p:spTree>
     <p:extLst>
       <p:ext uri="{BB962C8B-B14F-4D97-AF65-F5344CB8AC3E}">
-        <p14:creationId xmlns="" xmlns:p14="http://schemas.microsoft.com/office/powerpoint/2010/main" val="2018750251"/>
+        <p14:creationId xmlns:p14="http://schemas.microsoft.com/office/powerpoint/2010/main" xmlns="" val="2018750251"/>
       </p:ext>
     </p:extLst>
   </p:cSld>
@@ -1858,7 +1858,7 @@
     </p:spTree>
     <p:extLst>
       <p:ext uri="{BB962C8B-B14F-4D97-AF65-F5344CB8AC3E}">
-        <p14:creationId xmlns="" xmlns:p14="http://schemas.microsoft.com/office/powerpoint/2010/main" val="2648137797"/>
+        <p14:creationId xmlns:p14="http://schemas.microsoft.com/office/powerpoint/2010/main" xmlns="" val="2648137797"/>
       </p:ext>
     </p:extLst>
   </p:cSld>
@@ -1978,7 +1978,7 @@
     </p:spTree>
     <p:extLst>
       <p:ext uri="{BB962C8B-B14F-4D97-AF65-F5344CB8AC3E}">
-        <p14:creationId xmlns="" xmlns:p14="http://schemas.microsoft.com/office/powerpoint/2010/main" val="2817867633"/>
+        <p14:creationId xmlns:p14="http://schemas.microsoft.com/office/powerpoint/2010/main" xmlns="" val="2817867633"/>
       </p:ext>
     </p:extLst>
   </p:cSld>
@@ -2075,7 +2075,7 @@
     </p:spTree>
     <p:extLst>
       <p:ext uri="{BB962C8B-B14F-4D97-AF65-F5344CB8AC3E}">
-        <p14:creationId xmlns="" xmlns:p14="http://schemas.microsoft.com/office/powerpoint/2010/main" val="1400246093"/>
+        <p14:creationId xmlns:p14="http://schemas.microsoft.com/office/powerpoint/2010/main" xmlns="" val="1400246093"/>
       </p:ext>
     </p:extLst>
   </p:cSld>
@@ -2354,7 +2354,7 @@
     </p:spTree>
     <p:extLst>
       <p:ext uri="{BB962C8B-B14F-4D97-AF65-F5344CB8AC3E}">
-        <p14:creationId xmlns="" xmlns:p14="http://schemas.microsoft.com/office/powerpoint/2010/main" val="3354897087"/>
+        <p14:creationId xmlns:p14="http://schemas.microsoft.com/office/powerpoint/2010/main" xmlns="" val="3354897087"/>
       </p:ext>
     </p:extLst>
   </p:cSld>
@@ -2613,7 +2613,7 @@
     </p:spTree>
     <p:extLst>
       <p:ext uri="{BB962C8B-B14F-4D97-AF65-F5344CB8AC3E}">
-        <p14:creationId xmlns="" xmlns:p14="http://schemas.microsoft.com/office/powerpoint/2010/main" val="2508639507"/>
+        <p14:creationId xmlns:p14="http://schemas.microsoft.com/office/powerpoint/2010/main" xmlns="" val="2508639507"/>
       </p:ext>
     </p:extLst>
   </p:cSld>
@@ -2657,7 +2657,7 @@
           <a:blip r:embed="rId13" cstate="print">
             <a:extLst>
               <a:ext uri="{28A0092B-C50C-407E-A947-70E740481C1C}">
-                <a14:useLocalDpi xmlns="" xmlns:a14="http://schemas.microsoft.com/office/drawing/2010/main" val="0"/>
+                <a14:useLocalDpi xmlns:a14="http://schemas.microsoft.com/office/drawing/2010/main" xmlns="" val="0"/>
               </a:ext>
             </a:extLst>
           </a:blip>
@@ -2894,7 +2894,7 @@
     </p:spTree>
     <p:extLst>
       <p:ext uri="{BB962C8B-B14F-4D97-AF65-F5344CB8AC3E}">
-        <p14:creationId xmlns="" xmlns:p14="http://schemas.microsoft.com/office/powerpoint/2010/main" val="1223321422"/>
+        <p14:creationId xmlns:p14="http://schemas.microsoft.com/office/powerpoint/2010/main" xmlns="" val="1223321422"/>
       </p:ext>
     </p:extLst>
   </p:cSld>
@@ -3224,7 +3224,7 @@
           <a:blip r:embed="rId2" cstate="print">
             <a:extLst>
               <a:ext uri="{28A0092B-C50C-407E-A947-70E740481C1C}">
-                <a14:useLocalDpi xmlns="" xmlns:a14="http://schemas.microsoft.com/office/drawing/2010/main" val="0"/>
+                <a14:useLocalDpi xmlns:a14="http://schemas.microsoft.com/office/drawing/2010/main" xmlns="" val="0"/>
               </a:ext>
             </a:extLst>
           </a:blip>
@@ -3494,7 +3494,7 @@
     </p:spTree>
     <p:extLst>
       <p:ext uri="{BB962C8B-B14F-4D97-AF65-F5344CB8AC3E}">
-        <p14:creationId xmlns="" xmlns:p14="http://schemas.microsoft.com/office/powerpoint/2010/main" val="2480652117"/>
+        <p14:creationId xmlns:p14="http://schemas.microsoft.com/office/powerpoint/2010/main" xmlns="" val="2480652117"/>
       </p:ext>
     </p:extLst>
   </p:cSld>
@@ -3566,9 +3566,40 @@
           <a:bodyPr/>
           <a:lstStyle/>
           <a:p>
+            <a:pPr>
+              <a:buNone/>
+            </a:pPr>
             <a:r>
               <a:rPr lang="ru-RU" dirty="0" smtClean="0"/>
-              <a:t>Подготовка к Единому Государственному Экзамену с помощью бота</a:t>
+              <a:t>Цель – работа с </a:t>
+            </a:r>
+            <a:r>
+              <a:rPr lang="en-US" dirty="0" smtClean="0"/>
+              <a:t>API, flask</a:t>
+            </a:r>
+            <a:r>
+              <a:rPr lang="ru-RU" dirty="0" smtClean="0"/>
+              <a:t>, а также создание собственного бота</a:t>
+            </a:r>
+          </a:p>
+          <a:p>
+            <a:pPr>
+              <a:buNone/>
+            </a:pPr>
+            <a:r>
+              <a:rPr lang="ru-RU" dirty="0" smtClean="0"/>
+              <a:t>Задачи:</a:t>
+            </a:r>
+            <a:endParaRPr lang="ru-RU" dirty="0" smtClean="0"/>
+          </a:p>
+          <a:p>
+            <a:r>
+              <a:rPr lang="ru-RU" dirty="0" smtClean="0"/>
+              <a:t>Подготовка </a:t>
+            </a:r>
+            <a:r>
+              <a:rPr lang="ru-RU" dirty="0" smtClean="0"/>
+              <a:t>к Единому Государственному Экзамену с помощью бота</a:t>
             </a:r>
           </a:p>
           <a:p>
@@ -3585,6 +3616,13 @@
   <p:clrMapOvr>
     <a:masterClrMapping/>
   </p:clrMapOvr>
+  <p:timing>
+    <p:tnLst>
+      <p:par>
+        <p:cTn id="1" dur="indefinite" restart="never" nodeType="tmRoot"/>
+      </p:par>
+    </p:tnLst>
+  </p:timing>
 </p:sld>
 </file>
 
@@ -3710,6 +3748,13 @@
   <p:clrMapOvr>
     <a:masterClrMapping/>
   </p:clrMapOvr>
+  <p:timing>
+    <p:tnLst>
+      <p:par>
+        <p:cTn id="1" dur="indefinite" restart="never" nodeType="tmRoot"/>
+      </p:par>
+    </p:tnLst>
+  </p:timing>
 </p:sld>
 </file>
 
@@ -3816,6 +3861,13 @@
   <p:clrMapOvr>
     <a:masterClrMapping/>
   </p:clrMapOvr>
+  <p:timing>
+    <p:tnLst>
+      <p:par>
+        <p:cTn id="1" dur="indefinite" restart="never" nodeType="tmRoot"/>
+      </p:par>
+    </p:tnLst>
+  </p:timing>
 </p:sld>
 </file>
 
@@ -4074,7 +4126,7 @@
   <a:extraClrSchemeLst/>
   <a:extLst>
     <a:ext uri="{05A4C25C-085E-4340-85A3-A5531E510DB2}">
-      <thm15:themeFamily xmlns="" xmlns:thm15="http://schemas.microsoft.com/office/thememl/2012/main" name="Office Theme" id="{62F939B6-93AF-4DB8-9C6B-D6C7DFDC589F}" vid="{4A3C46E8-61CC-4603-A589-7422A47A8E4A}"/>
+      <thm15:themeFamily xmlns:thm15="http://schemas.microsoft.com/office/thememl/2012/main" xmlns="" name="Office Theme" id="{62F939B6-93AF-4DB8-9C6B-D6C7DFDC589F}" vid="{4A3C46E8-61CC-4603-A589-7422A47A8E4A}"/>
     </a:ext>
   </a:extLst>
 </a:theme>
@@ -4335,7 +4387,7 @@
   <a:extraClrSchemeLst/>
   <a:extLst>
     <a:ext uri="{05A4C25C-085E-4340-85A3-A5531E510DB2}">
-      <thm15:themeFamily xmlns="" xmlns:thm15="http://schemas.microsoft.com/office/thememl/2012/main" name="Office Theme" id="{62F939B6-93AF-4DB8-9C6B-D6C7DFDC589F}" vid="{4A3C46E8-61CC-4603-A589-7422A47A8E4A}"/>
+      <thm15:themeFamily xmlns:thm15="http://schemas.microsoft.com/office/thememl/2012/main" xmlns="" name="Office Theme" id="{62F939B6-93AF-4DB8-9C6B-D6C7DFDC589F}" vid="{4A3C46E8-61CC-4603-A589-7422A47A8E4A}"/>
     </a:ext>
   </a:extLst>
 </a:theme>
